--- a/Week 7/wk7_PHYS3116_2025T3_tutorial_slides.pptx
+++ b/Week 7/wk7_PHYS3116_2025T3_tutorial_slides.pptx
@@ -9291,12 +9291,20 @@
               </a:rPr>
             </a:br>
             <a:r>
+              <a:rPr lang="en-US" b="1">
+                <a:solidFill>
+                  <a:schemeClr val="accent5"/>
+                </a:solidFill>
+              </a:rPr>
+              <a:t>Week 7 </a:t>
+            </a:r>
+            <a:r>
               <a:rPr lang="en-US" b="1" dirty="0">
                 <a:solidFill>
                   <a:schemeClr val="accent5"/>
                 </a:solidFill>
               </a:rPr>
-              <a:t>Week 5 Tutorial</a:t>
+              <a:t>Tutorial</a:t>
             </a:r>
           </a:p>
         </p:txBody>
@@ -9512,7 +9520,7 @@
               <a:solidFill>
                 <a:schemeClr val="accent5"/>
               </a:solidFill>
-              <a:hlinkClick r:id="">
+              <a:hlinkClick r:id="" action="ppaction://noaction">
                 <a:extLst>
                   <a:ext uri="{A12FA001-AC4F-418D-AE19-62706E023703}">
                     <ahyp:hlinkClr xmlns:ahyp="http://schemas.microsoft.com/office/drawing/2018/hyperlinkcolor" val="tx"/>
@@ -9535,7 +9543,7 @@
                 <a:solidFill>
                   <a:schemeClr val="accent5"/>
                 </a:solidFill>
-                <a:hlinkClick r:id="">
+                <a:hlinkClick r:id="" action="ppaction://noaction">
                   <a:extLst>
                     <a:ext uri="{A12FA001-AC4F-418D-AE19-62706E023703}">
                       <ahyp:hlinkClr xmlns:ahyp="http://schemas.microsoft.com/office/drawing/2018/hyperlinkcolor" val="tx"/>
@@ -12925,6 +12933,17 @@
 </file>
 
 <file path=customXml/item2.xml><?xml version="1.0" encoding="utf-8"?>
+<p:properties xmlns:p="http://schemas.microsoft.com/office/2006/metadata/properties" xmlns:xsi="http://www.w3.org/2001/XMLSchema-instance" xmlns:pc="http://schemas.microsoft.com/office/infopath/2007/PartnerControls">
+  <documentManagement>
+    <TaxCatchAll xmlns="3d8a2230-54d9-4525-a072-aaf2ad3921af" xsi:nil="true"/>
+    <lcf76f155ced4ddcb4097134ff3c332f xmlns="3e861e5c-b9b4-4f4a-a39d-d4f58c595d50">
+      <Terms xmlns="http://schemas.microsoft.com/office/infopath/2007/PartnerControls"/>
+    </lcf76f155ced4ddcb4097134ff3c332f>
+  </documentManagement>
+</p:properties>
+</file>
+
+<file path=customXml/item3.xml><?xml version="1.0" encoding="utf-8"?>
 <ct:contentTypeSchema xmlns:ct="http://schemas.microsoft.com/office/2006/metadata/contentType" xmlns:ma="http://schemas.microsoft.com/office/2006/metadata/properties/metaAttributes" ct:_="" ma:_="" ma:contentTypeName="Document" ma:contentTypeID="0x010100F4022E11B6C55F458F03297D129AC5C7" ma:contentTypeVersion="16" ma:contentTypeDescription="Create a new document." ma:contentTypeScope="" ma:versionID="c5de254797c2e30b1c1dab67e1fdd087">
   <xsd:schema xmlns:xsd="http://www.w3.org/2001/XMLSchema" xmlns:xs="http://www.w3.org/2001/XMLSchema" xmlns:p="http://schemas.microsoft.com/office/2006/metadata/properties" xmlns:ns2="3e861e5c-b9b4-4f4a-a39d-d4f58c595d50" xmlns:ns3="3d8a2230-54d9-4525-a072-aaf2ad3921af" targetNamespace="http://schemas.microsoft.com/office/2006/metadata/properties" ma:root="true" ma:fieldsID="40d7e893f6517adbc7421dea239a8bfb" ns2:_="" ns3:_="">
     <xsd:import namespace="3e861e5c-b9b4-4f4a-a39d-d4f58c595d50"/>
@@ -13167,17 +13186,6 @@
 </ct:contentTypeSchema>
 </file>
 
-<file path=customXml/item3.xml><?xml version="1.0" encoding="utf-8"?>
-<p:properties xmlns:p="http://schemas.microsoft.com/office/2006/metadata/properties" xmlns:xsi="http://www.w3.org/2001/XMLSchema-instance" xmlns:pc="http://schemas.microsoft.com/office/infopath/2007/PartnerControls">
-  <documentManagement>
-    <TaxCatchAll xmlns="3d8a2230-54d9-4525-a072-aaf2ad3921af" xsi:nil="true"/>
-    <lcf76f155ced4ddcb4097134ff3c332f xmlns="3e861e5c-b9b4-4f4a-a39d-d4f58c595d50">
-      <Terms xmlns="http://schemas.microsoft.com/office/infopath/2007/PartnerControls"/>
-    </lcf76f155ced4ddcb4097134ff3c332f>
-  </documentManagement>
-</p:properties>
-</file>
-
 <file path=customXml/itemProps1.xml><?xml version="1.0" encoding="utf-8"?>
 <ds:datastoreItem xmlns:ds="http://schemas.openxmlformats.org/officeDocument/2006/customXml" ds:itemID="{76F36D4B-89AA-43AA-A4F8-41021B539501}">
   <ds:schemaRefs>
@@ -13187,6 +13195,17 @@
 </file>
 
 <file path=customXml/itemProps2.xml><?xml version="1.0" encoding="utf-8"?>
+<ds:datastoreItem xmlns:ds="http://schemas.openxmlformats.org/officeDocument/2006/customXml" ds:itemID="{B4CE31FE-9010-4DD9-ACBF-74A5EE27FA83}">
+  <ds:schemaRefs>
+    <ds:schemaRef ds:uri="http://schemas.microsoft.com/office/2006/metadata/properties"/>
+    <ds:schemaRef ds:uri="http://schemas.microsoft.com/office/infopath/2007/PartnerControls"/>
+    <ds:schemaRef ds:uri="3d8a2230-54d9-4525-a072-aaf2ad3921af"/>
+    <ds:schemaRef ds:uri="3e861e5c-b9b4-4f4a-a39d-d4f58c595d50"/>
+  </ds:schemaRefs>
+</ds:datastoreItem>
+</file>
+
+<file path=customXml/itemProps3.xml><?xml version="1.0" encoding="utf-8"?>
 <ds:datastoreItem xmlns:ds="http://schemas.openxmlformats.org/officeDocument/2006/customXml" ds:itemID="{3CEC6E53-DE09-48B9-92A5-3EADF1FB2829}">
   <ds:schemaRefs>
     <ds:schemaRef ds:uri="http://schemas.microsoft.com/office/2006/metadata/contentType"/>
@@ -13203,15 +13222,4 @@
     <ds:schemaRef ds:uri="http://schemas.microsoft.com/internal/obd"/>
   </ds:schemaRefs>
 </ds:datastoreItem>
-</file>
-
-<file path=customXml/itemProps3.xml><?xml version="1.0" encoding="utf-8"?>
-<ds:datastoreItem xmlns:ds="http://schemas.openxmlformats.org/officeDocument/2006/customXml" ds:itemID="{B4CE31FE-9010-4DD9-ACBF-74A5EE27FA83}">
-  <ds:schemaRefs>
-    <ds:schemaRef ds:uri="http://schemas.microsoft.com/office/2006/metadata/properties"/>
-    <ds:schemaRef ds:uri="http://schemas.microsoft.com/office/infopath/2007/PartnerControls"/>
-    <ds:schemaRef ds:uri="3d8a2230-54d9-4525-a072-aaf2ad3921af"/>
-    <ds:schemaRef ds:uri="3e861e5c-b9b4-4f4a-a39d-d4f58c595d50"/>
-  </ds:schemaRefs>
-</ds:datastoreItem>
 </file>